--- a/study3/presentation_for_paper/study3_result_H_4_1_graphs.pptx
+++ b/study3/presentation_for_paper/study3_result_H_4_1_graphs.pptx
@@ -5,8 +5,9 @@
     <p:sldMasterId id="2147483648" r:id="rId1"/>
   </p:sldMasterIdLst>
   <p:sldIdLst>
-    <p:sldId id="256" r:id="rId2"/>
-    <p:sldId id="257" r:id="rId3"/>
+    <p:sldId id="258" r:id="rId2"/>
+    <p:sldId id="256" r:id="rId3"/>
+    <p:sldId id="257" r:id="rId4"/>
   </p:sldIdLst>
   <p:sldSz cx="12192000" cy="6858000"/>
   <p:notesSz cx="6858000" cy="9144000"/>
@@ -105,6 +106,11 @@
       </a:defRPr>
     </a:lvl9pPr>
   </p:defaultTextStyle>
+  <p:extLst>
+    <p:ext uri="{EFAFB233-063F-42B5-8137-9DF3F51BA10A}">
+      <p15:sldGuideLst xmlns:p15="http://schemas.microsoft.com/office/powerpoint/2012/main"/>
+    </p:ext>
+  </p:extLst>
 </p:presentation>
 </file>
 
@@ -112,11 +118,82 @@
 <pc:chgInfo xmlns:a="http://schemas.openxmlformats.org/drawingml/2006/main" xmlns:r="http://schemas.openxmlformats.org/officeDocument/2006/relationships" xmlns:ac="http://schemas.microsoft.com/office/drawing/2013/main/command" xmlns:pc="http://schemas.microsoft.com/office/powerpoint/2013/main/command">
   <pc:docChgLst>
     <pc:chgData name="Ryo Suhara" userId="2d319992da703ee6" providerId="LiveId" clId="{3A9CDD50-1FBB-4909-B9ED-80DFCAE8ED0C}"/>
-    <pc:docChg chg="modSld">
-      <pc:chgData name="Ryo Suhara" userId="2d319992da703ee6" providerId="LiveId" clId="{3A9CDD50-1FBB-4909-B9ED-80DFCAE8ED0C}" dt="2024-08-18T02:19:35.913" v="0" actId="1076"/>
+    <pc:docChg chg="custSel addSld modSld sldOrd">
+      <pc:chgData name="Ryo Suhara" userId="2d319992da703ee6" providerId="LiveId" clId="{3A9CDD50-1FBB-4909-B9ED-80DFCAE8ED0C}" dt="2024-08-21T05:28:15.217" v="163" actId="1076"/>
       <pc:docMkLst>
         <pc:docMk/>
       </pc:docMkLst>
+      <pc:sldChg chg="modSp mod">
+        <pc:chgData name="Ryo Suhara" userId="2d319992da703ee6" providerId="LiveId" clId="{3A9CDD50-1FBB-4909-B9ED-80DFCAE8ED0C}" dt="2024-08-20T01:33:02.299" v="126" actId="1038"/>
+        <pc:sldMkLst>
+          <pc:docMk/>
+          <pc:sldMk cId="1107719241" sldId="256"/>
+        </pc:sldMkLst>
+        <pc:picChg chg="mod">
+          <ac:chgData name="Ryo Suhara" userId="2d319992da703ee6" providerId="LiveId" clId="{3A9CDD50-1FBB-4909-B9ED-80DFCAE8ED0C}" dt="2024-08-20T01:33:02.299" v="126" actId="1038"/>
+          <ac:picMkLst>
+            <pc:docMk/>
+            <pc:sldMk cId="1107719241" sldId="256"/>
+            <ac:picMk id="5" creationId="{00A8E327-CE89-518C-D579-5EFDA8E93D89}"/>
+          </ac:picMkLst>
+        </pc:picChg>
+        <pc:picChg chg="mod">
+          <ac:chgData name="Ryo Suhara" userId="2d319992da703ee6" providerId="LiveId" clId="{3A9CDD50-1FBB-4909-B9ED-80DFCAE8ED0C}" dt="2024-08-20T01:33:02.299" v="126" actId="1038"/>
+          <ac:picMkLst>
+            <pc:docMk/>
+            <pc:sldMk cId="1107719241" sldId="256"/>
+            <ac:picMk id="7" creationId="{147BB23D-D29E-49AB-011D-58AEE031E594}"/>
+          </ac:picMkLst>
+        </pc:picChg>
+        <pc:picChg chg="mod">
+          <ac:chgData name="Ryo Suhara" userId="2d319992da703ee6" providerId="LiveId" clId="{3A9CDD50-1FBB-4909-B9ED-80DFCAE8ED0C}" dt="2024-08-20T01:33:02.299" v="126" actId="1038"/>
+          <ac:picMkLst>
+            <pc:docMk/>
+            <pc:sldMk cId="1107719241" sldId="256"/>
+            <ac:picMk id="11" creationId="{FE01B64C-011F-CEA1-2F98-8C7B92686CDB}"/>
+          </ac:picMkLst>
+        </pc:picChg>
+        <pc:picChg chg="mod">
+          <ac:chgData name="Ryo Suhara" userId="2d319992da703ee6" providerId="LiveId" clId="{3A9CDD50-1FBB-4909-B9ED-80DFCAE8ED0C}" dt="2024-08-20T01:33:02.299" v="126" actId="1038"/>
+          <ac:picMkLst>
+            <pc:docMk/>
+            <pc:sldMk cId="1107719241" sldId="256"/>
+            <ac:picMk id="13" creationId="{0B52B4C6-7FFB-0679-F6EF-417447EA8370}"/>
+          </ac:picMkLst>
+        </pc:picChg>
+        <pc:picChg chg="mod">
+          <ac:chgData name="Ryo Suhara" userId="2d319992da703ee6" providerId="LiveId" clId="{3A9CDD50-1FBB-4909-B9ED-80DFCAE8ED0C}" dt="2024-08-20T01:33:02.299" v="126" actId="1038"/>
+          <ac:picMkLst>
+            <pc:docMk/>
+            <pc:sldMk cId="1107719241" sldId="256"/>
+            <ac:picMk id="15" creationId="{70E020A8-DB4E-7054-6FFB-ECDCC8F41B03}"/>
+          </ac:picMkLst>
+        </pc:picChg>
+        <pc:picChg chg="mod">
+          <ac:chgData name="Ryo Suhara" userId="2d319992da703ee6" providerId="LiveId" clId="{3A9CDD50-1FBB-4909-B9ED-80DFCAE8ED0C}" dt="2024-08-20T01:33:02.299" v="126" actId="1038"/>
+          <ac:picMkLst>
+            <pc:docMk/>
+            <pc:sldMk cId="1107719241" sldId="256"/>
+            <ac:picMk id="17" creationId="{040524AF-635E-0883-9A11-CC4DBE40F210}"/>
+          </ac:picMkLst>
+        </pc:picChg>
+        <pc:picChg chg="mod">
+          <ac:chgData name="Ryo Suhara" userId="2d319992da703ee6" providerId="LiveId" clId="{3A9CDD50-1FBB-4909-B9ED-80DFCAE8ED0C}" dt="2024-08-20T01:33:02.299" v="126" actId="1038"/>
+          <ac:picMkLst>
+            <pc:docMk/>
+            <pc:sldMk cId="1107719241" sldId="256"/>
+            <ac:picMk id="19" creationId="{D295C7F7-08DB-B170-81AA-4C24D8BC4D6F}"/>
+          </ac:picMkLst>
+        </pc:picChg>
+        <pc:picChg chg="mod">
+          <ac:chgData name="Ryo Suhara" userId="2d319992da703ee6" providerId="LiveId" clId="{3A9CDD50-1FBB-4909-B9ED-80DFCAE8ED0C}" dt="2024-08-20T01:33:02.299" v="126" actId="1038"/>
+          <ac:picMkLst>
+            <pc:docMk/>
+            <pc:sldMk cId="1107719241" sldId="256"/>
+            <ac:picMk id="21" creationId="{79BD163D-46D1-06FE-8768-BE316853AC7C}"/>
+          </ac:picMkLst>
+        </pc:picChg>
+      </pc:sldChg>
       <pc:sldChg chg="modSp mod">
         <pc:chgData name="Ryo Suhara" userId="2d319992da703ee6" providerId="LiveId" clId="{3A9CDD50-1FBB-4909-B9ED-80DFCAE8ED0C}" dt="2024-08-18T02:19:35.913" v="0" actId="1076"/>
         <pc:sldMkLst>
@@ -129,6 +206,77 @@
             <pc:docMk/>
             <pc:sldMk cId="3385682566" sldId="257"/>
             <ac:picMk id="22" creationId="{5865BEAE-5E01-F40F-800C-7B26854BFB64}"/>
+          </ac:picMkLst>
+        </pc:picChg>
+      </pc:sldChg>
+      <pc:sldChg chg="addSp delSp modSp new mod ord">
+        <pc:chgData name="Ryo Suhara" userId="2d319992da703ee6" providerId="LiveId" clId="{3A9CDD50-1FBB-4909-B9ED-80DFCAE8ED0C}" dt="2024-08-21T05:28:15.217" v="163" actId="1076"/>
+        <pc:sldMkLst>
+          <pc:docMk/>
+          <pc:sldMk cId="2265195435" sldId="258"/>
+        </pc:sldMkLst>
+        <pc:spChg chg="del">
+          <ac:chgData name="Ryo Suhara" userId="2d319992da703ee6" providerId="LiveId" clId="{3A9CDD50-1FBB-4909-B9ED-80DFCAE8ED0C}" dt="2024-08-21T05:21:59.075" v="130" actId="478"/>
+          <ac:spMkLst>
+            <pc:docMk/>
+            <pc:sldMk cId="2265195435" sldId="258"/>
+            <ac:spMk id="2" creationId="{D1161CC6-A23E-5226-CB1F-5D17981E8CD2}"/>
+          </ac:spMkLst>
+        </pc:spChg>
+        <pc:spChg chg="del">
+          <ac:chgData name="Ryo Suhara" userId="2d319992da703ee6" providerId="LiveId" clId="{3A9CDD50-1FBB-4909-B9ED-80DFCAE8ED0C}" dt="2024-08-21T05:22:00.441" v="131" actId="478"/>
+          <ac:spMkLst>
+            <pc:docMk/>
+            <pc:sldMk cId="2265195435" sldId="258"/>
+            <ac:spMk id="3" creationId="{1BDBDEEE-AB97-7156-4585-A352058A4BD5}"/>
+          </ac:spMkLst>
+        </pc:spChg>
+        <pc:picChg chg="add del mod">
+          <ac:chgData name="Ryo Suhara" userId="2d319992da703ee6" providerId="LiveId" clId="{3A9CDD50-1FBB-4909-B9ED-80DFCAE8ED0C}" dt="2024-08-21T05:26:46.927" v="138" actId="478"/>
+          <ac:picMkLst>
+            <pc:docMk/>
+            <pc:sldMk cId="2265195435" sldId="258"/>
+            <ac:picMk id="5" creationId="{E8915B13-9F12-C217-476C-46CCCBF755E4}"/>
+          </ac:picMkLst>
+        </pc:picChg>
+        <pc:picChg chg="add del mod">
+          <ac:chgData name="Ryo Suhara" userId="2d319992da703ee6" providerId="LiveId" clId="{3A9CDD50-1FBB-4909-B9ED-80DFCAE8ED0C}" dt="2024-08-21T05:27:04.590" v="141" actId="478"/>
+          <ac:picMkLst>
+            <pc:docMk/>
+            <pc:sldMk cId="2265195435" sldId="258"/>
+            <ac:picMk id="7" creationId="{DF738D09-9168-FEC2-DA57-D293A5E77644}"/>
+          </ac:picMkLst>
+        </pc:picChg>
+        <pc:picChg chg="add mod">
+          <ac:chgData name="Ryo Suhara" userId="2d319992da703ee6" providerId="LiveId" clId="{3A9CDD50-1FBB-4909-B9ED-80DFCAE8ED0C}" dt="2024-08-21T05:28:15.217" v="163" actId="1076"/>
+          <ac:picMkLst>
+            <pc:docMk/>
+            <pc:sldMk cId="2265195435" sldId="258"/>
+            <ac:picMk id="9" creationId="{92055B0C-E8C0-ED58-7334-6DCA4527665C}"/>
+          </ac:picMkLst>
+        </pc:picChg>
+        <pc:picChg chg="add mod">
+          <ac:chgData name="Ryo Suhara" userId="2d319992da703ee6" providerId="LiveId" clId="{3A9CDD50-1FBB-4909-B9ED-80DFCAE8ED0C}" dt="2024-08-21T05:28:15.217" v="163" actId="1076"/>
+          <ac:picMkLst>
+            <pc:docMk/>
+            <pc:sldMk cId="2265195435" sldId="258"/>
+            <ac:picMk id="11" creationId="{C86CB956-4EDC-ACB8-8C9C-0510875C9733}"/>
+          </ac:picMkLst>
+        </pc:picChg>
+        <pc:picChg chg="add mod">
+          <ac:chgData name="Ryo Suhara" userId="2d319992da703ee6" providerId="LiveId" clId="{3A9CDD50-1FBB-4909-B9ED-80DFCAE8ED0C}" dt="2024-08-21T05:28:15.217" v="163" actId="1076"/>
+          <ac:picMkLst>
+            <pc:docMk/>
+            <pc:sldMk cId="2265195435" sldId="258"/>
+            <ac:picMk id="13" creationId="{096504AC-2B7D-4677-7F17-29CBB1A5C8ED}"/>
+          </ac:picMkLst>
+        </pc:picChg>
+        <pc:picChg chg="add mod">
+          <ac:chgData name="Ryo Suhara" userId="2d319992da703ee6" providerId="LiveId" clId="{3A9CDD50-1FBB-4909-B9ED-80DFCAE8ED0C}" dt="2024-08-21T05:28:15.217" v="163" actId="1076"/>
+          <ac:picMkLst>
+            <pc:docMk/>
+            <pc:sldMk cId="2265195435" sldId="258"/>
+            <ac:picMk id="15" creationId="{817B4364-22ED-C4DC-8ACF-742F2F277231}"/>
           </ac:picMkLst>
         </pc:picChg>
       </pc:sldChg>
@@ -286,7 +434,7 @@
           <a:p>
             <a:fld id="{DC7F5138-9014-439A-819F-FF4A9E5235A6}" type="datetimeFigureOut">
               <a:rPr kumimoji="1" lang="ja-JP" altLang="en-US" smtClean="0"/>
-              <a:t>2024/8/18</a:t>
+              <a:t>2024/8/21</a:t>
             </a:fld>
             <a:endParaRPr kumimoji="1" lang="ja-JP" altLang="en-US"/>
           </a:p>
@@ -486,7 +634,7 @@
           <a:p>
             <a:fld id="{DC7F5138-9014-439A-819F-FF4A9E5235A6}" type="datetimeFigureOut">
               <a:rPr kumimoji="1" lang="ja-JP" altLang="en-US" smtClean="0"/>
-              <a:t>2024/8/18</a:t>
+              <a:t>2024/8/21</a:t>
             </a:fld>
             <a:endParaRPr kumimoji="1" lang="ja-JP" altLang="en-US"/>
           </a:p>
@@ -696,7 +844,7 @@
           <a:p>
             <a:fld id="{DC7F5138-9014-439A-819F-FF4A9E5235A6}" type="datetimeFigureOut">
               <a:rPr kumimoji="1" lang="ja-JP" altLang="en-US" smtClean="0"/>
-              <a:t>2024/8/18</a:t>
+              <a:t>2024/8/21</a:t>
             </a:fld>
             <a:endParaRPr kumimoji="1" lang="ja-JP" altLang="en-US"/>
           </a:p>
@@ -896,7 +1044,7 @@
           <a:p>
             <a:fld id="{DC7F5138-9014-439A-819F-FF4A9E5235A6}" type="datetimeFigureOut">
               <a:rPr kumimoji="1" lang="ja-JP" altLang="en-US" smtClean="0"/>
-              <a:t>2024/8/18</a:t>
+              <a:t>2024/8/21</a:t>
             </a:fld>
             <a:endParaRPr kumimoji="1" lang="ja-JP" altLang="en-US"/>
           </a:p>
@@ -1172,7 +1320,7 @@
           <a:p>
             <a:fld id="{DC7F5138-9014-439A-819F-FF4A9E5235A6}" type="datetimeFigureOut">
               <a:rPr kumimoji="1" lang="ja-JP" altLang="en-US" smtClean="0"/>
-              <a:t>2024/8/18</a:t>
+              <a:t>2024/8/21</a:t>
             </a:fld>
             <a:endParaRPr kumimoji="1" lang="ja-JP" altLang="en-US"/>
           </a:p>
@@ -1440,7 +1588,7 @@
           <a:p>
             <a:fld id="{DC7F5138-9014-439A-819F-FF4A9E5235A6}" type="datetimeFigureOut">
               <a:rPr kumimoji="1" lang="ja-JP" altLang="en-US" smtClean="0"/>
-              <a:t>2024/8/18</a:t>
+              <a:t>2024/8/21</a:t>
             </a:fld>
             <a:endParaRPr kumimoji="1" lang="ja-JP" altLang="en-US"/>
           </a:p>
@@ -1855,7 +2003,7 @@
           <a:p>
             <a:fld id="{DC7F5138-9014-439A-819F-FF4A9E5235A6}" type="datetimeFigureOut">
               <a:rPr kumimoji="1" lang="ja-JP" altLang="en-US" smtClean="0"/>
-              <a:t>2024/8/18</a:t>
+              <a:t>2024/8/21</a:t>
             </a:fld>
             <a:endParaRPr kumimoji="1" lang="ja-JP" altLang="en-US"/>
           </a:p>
@@ -1997,7 +2145,7 @@
           <a:p>
             <a:fld id="{DC7F5138-9014-439A-819F-FF4A9E5235A6}" type="datetimeFigureOut">
               <a:rPr kumimoji="1" lang="ja-JP" altLang="en-US" smtClean="0"/>
-              <a:t>2024/8/18</a:t>
+              <a:t>2024/8/21</a:t>
             </a:fld>
             <a:endParaRPr kumimoji="1" lang="ja-JP" altLang="en-US"/>
           </a:p>
@@ -2110,7 +2258,7 @@
           <a:p>
             <a:fld id="{DC7F5138-9014-439A-819F-FF4A9E5235A6}" type="datetimeFigureOut">
               <a:rPr kumimoji="1" lang="ja-JP" altLang="en-US" smtClean="0"/>
-              <a:t>2024/8/18</a:t>
+              <a:t>2024/8/21</a:t>
             </a:fld>
             <a:endParaRPr kumimoji="1" lang="ja-JP" altLang="en-US"/>
           </a:p>
@@ -2423,7 +2571,7 @@
           <a:p>
             <a:fld id="{DC7F5138-9014-439A-819F-FF4A9E5235A6}" type="datetimeFigureOut">
               <a:rPr kumimoji="1" lang="ja-JP" altLang="en-US" smtClean="0"/>
-              <a:t>2024/8/18</a:t>
+              <a:t>2024/8/21</a:t>
             </a:fld>
             <a:endParaRPr kumimoji="1" lang="ja-JP" altLang="en-US"/>
           </a:p>
@@ -2712,7 +2860,7 @@
           <a:p>
             <a:fld id="{DC7F5138-9014-439A-819F-FF4A9E5235A6}" type="datetimeFigureOut">
               <a:rPr kumimoji="1" lang="ja-JP" altLang="en-US" smtClean="0"/>
-              <a:t>2024/8/18</a:t>
+              <a:t>2024/8/21</a:t>
             </a:fld>
             <a:endParaRPr kumimoji="1" lang="ja-JP" altLang="en-US"/>
           </a:p>
@@ -2955,7 +3103,7 @@
           <a:p>
             <a:fld id="{DC7F5138-9014-439A-819F-FF4A9E5235A6}" type="datetimeFigureOut">
               <a:rPr kumimoji="1" lang="ja-JP" altLang="en-US" smtClean="0"/>
-              <a:t>2024/8/18</a:t>
+              <a:t>2024/8/21</a:t>
             </a:fld>
             <a:endParaRPr kumimoji="1" lang="ja-JP" altLang="en-US"/>
           </a:p>
@@ -3374,10 +3522,10 @@
       </p:grpSpPr>
       <p:pic>
         <p:nvPicPr>
-          <p:cNvPr id="5" name="Picture 4">
-            <a:extLst>
-              <a:ext uri="{FF2B5EF4-FFF2-40B4-BE49-F238E27FC236}">
-                <a16:creationId xmlns:a16="http://schemas.microsoft.com/office/drawing/2014/main" id="{00A8E327-CE89-518C-D579-5EFDA8E93D89}"/>
+          <p:cNvPr id="9" name="Picture 8">
+            <a:extLst>
+              <a:ext uri="{FF2B5EF4-FFF2-40B4-BE49-F238E27FC236}">
+                <a16:creationId xmlns:a16="http://schemas.microsoft.com/office/drawing/2014/main" id="{92055B0C-E8C0-ED58-7334-6DCA4527665C}"/>
               </a:ext>
             </a:extLst>
           </p:cNvPr>
@@ -3394,8 +3542,8 @@
         </p:blipFill>
         <p:spPr>
           <a:xfrm>
-            <a:off x="0" y="0"/>
-            <a:ext cx="3466214" cy="3259891"/>
+            <a:off x="624024" y="2288177"/>
+            <a:ext cx="2562497" cy="2562497"/>
           </a:xfrm>
           <a:prstGeom prst="rect">
             <a:avLst/>
@@ -3404,10 +3552,10 @@
       </p:pic>
       <p:pic>
         <p:nvPicPr>
-          <p:cNvPr id="7" name="Picture 6">
-            <a:extLst>
-              <a:ext uri="{FF2B5EF4-FFF2-40B4-BE49-F238E27FC236}">
-                <a16:creationId xmlns:a16="http://schemas.microsoft.com/office/drawing/2014/main" id="{147BB23D-D29E-49AB-011D-58AEE031E594}"/>
+          <p:cNvPr id="11" name="Picture 10">
+            <a:extLst>
+              <a:ext uri="{FF2B5EF4-FFF2-40B4-BE49-F238E27FC236}">
+                <a16:creationId xmlns:a16="http://schemas.microsoft.com/office/drawing/2014/main" id="{C86CB956-4EDC-ACB8-8C9C-0510875C9733}"/>
               </a:ext>
             </a:extLst>
           </p:cNvPr>
@@ -3424,8 +3572,8 @@
         </p:blipFill>
         <p:spPr>
           <a:xfrm>
-            <a:off x="3466214" y="3875"/>
-            <a:ext cx="3466214" cy="3256016"/>
+            <a:off x="3314972" y="2288177"/>
+            <a:ext cx="2562497" cy="2562497"/>
           </a:xfrm>
           <a:prstGeom prst="rect">
             <a:avLst/>
@@ -3434,10 +3582,10 @@
       </p:pic>
       <p:pic>
         <p:nvPicPr>
-          <p:cNvPr id="11" name="Picture 10">
-            <a:extLst>
-              <a:ext uri="{FF2B5EF4-FFF2-40B4-BE49-F238E27FC236}">
-                <a16:creationId xmlns:a16="http://schemas.microsoft.com/office/drawing/2014/main" id="{FE01B64C-011F-CEA1-2F98-8C7B92686CDB}"/>
+          <p:cNvPr id="13" name="Picture 12">
+            <a:extLst>
+              <a:ext uri="{FF2B5EF4-FFF2-40B4-BE49-F238E27FC236}">
+                <a16:creationId xmlns:a16="http://schemas.microsoft.com/office/drawing/2014/main" id="{096504AC-2B7D-4677-7F17-29CBB1A5C8ED}"/>
               </a:ext>
             </a:extLst>
           </p:cNvPr>
@@ -3454,8 +3602,8 @@
         </p:blipFill>
         <p:spPr>
           <a:xfrm>
-            <a:off x="6932428" y="-1"/>
-            <a:ext cx="3466214" cy="3259892"/>
+            <a:off x="6005920" y="2288177"/>
+            <a:ext cx="2562497" cy="2562497"/>
           </a:xfrm>
           <a:prstGeom prst="rect">
             <a:avLst/>
@@ -3464,10 +3612,10 @@
       </p:pic>
       <p:pic>
         <p:nvPicPr>
-          <p:cNvPr id="13" name="Picture 12">
-            <a:extLst>
-              <a:ext uri="{FF2B5EF4-FFF2-40B4-BE49-F238E27FC236}">
-                <a16:creationId xmlns:a16="http://schemas.microsoft.com/office/drawing/2014/main" id="{0B52B4C6-7FFB-0679-F6EF-417447EA8370}"/>
+          <p:cNvPr id="15" name="Picture 14">
+            <a:extLst>
+              <a:ext uri="{FF2B5EF4-FFF2-40B4-BE49-F238E27FC236}">
+                <a16:creationId xmlns:a16="http://schemas.microsoft.com/office/drawing/2014/main" id="{817B4364-22ED-C4DC-8ACF-742F2F277231}"/>
               </a:ext>
             </a:extLst>
           </p:cNvPr>
@@ -3484,8 +3632,158 @@
         </p:blipFill>
         <p:spPr>
           <a:xfrm>
-            <a:off x="10398642" y="-1"/>
-            <a:ext cx="3466214" cy="3256015"/>
+            <a:off x="8696868" y="2288176"/>
+            <a:ext cx="2562497" cy="2562497"/>
+          </a:xfrm>
+          <a:prstGeom prst="rect">
+            <a:avLst/>
+          </a:prstGeom>
+        </p:spPr>
+      </p:pic>
+    </p:spTree>
+    <p:extLst>
+      <p:ext uri="{BB962C8B-B14F-4D97-AF65-F5344CB8AC3E}">
+        <p14:creationId xmlns:p14="http://schemas.microsoft.com/office/powerpoint/2010/main" val="2265195435"/>
+      </p:ext>
+    </p:extLst>
+  </p:cSld>
+  <p:clrMapOvr>
+    <a:masterClrMapping/>
+  </p:clrMapOvr>
+</p:sld>
+</file>
+
+<file path=ppt/slides/slide2.xml><?xml version="1.0" encoding="utf-8"?>
+<p:sld xmlns:a="http://schemas.openxmlformats.org/drawingml/2006/main" xmlns:r="http://schemas.openxmlformats.org/officeDocument/2006/relationships" xmlns:p="http://schemas.openxmlformats.org/presentationml/2006/main">
+  <p:cSld>
+    <p:spTree>
+      <p:nvGrpSpPr>
+        <p:cNvPr id="1" name=""/>
+        <p:cNvGrpSpPr/>
+        <p:nvPr/>
+      </p:nvGrpSpPr>
+      <p:grpSpPr>
+        <a:xfrm>
+          <a:off x="0" y="0"/>
+          <a:ext cx="0" cy="0"/>
+          <a:chOff x="0" y="0"/>
+          <a:chExt cx="0" cy="0"/>
+        </a:xfrm>
+      </p:grpSpPr>
+      <p:pic>
+        <p:nvPicPr>
+          <p:cNvPr id="5" name="Picture 4">
+            <a:extLst>
+              <a:ext uri="{FF2B5EF4-FFF2-40B4-BE49-F238E27FC236}">
+                <a16:creationId xmlns:a16="http://schemas.microsoft.com/office/drawing/2014/main" id="{00A8E327-CE89-518C-D579-5EFDA8E93D89}"/>
+              </a:ext>
+            </a:extLst>
+          </p:cNvPr>
+          <p:cNvPicPr>
+            <a:picLocks noChangeAspect="1"/>
+          </p:cNvPicPr>
+          <p:nvPr/>
+        </p:nvPicPr>
+        <p:blipFill>
+          <a:blip r:embed="rId2"/>
+          <a:stretch>
+            <a:fillRect/>
+          </a:stretch>
+        </p:blipFill>
+        <p:spPr>
+          <a:xfrm>
+            <a:off x="202019" y="397281"/>
+            <a:ext cx="2826377" cy="2658140"/>
+          </a:xfrm>
+          <a:prstGeom prst="rect">
+            <a:avLst/>
+          </a:prstGeom>
+        </p:spPr>
+      </p:pic>
+      <p:pic>
+        <p:nvPicPr>
+          <p:cNvPr id="7" name="Picture 6">
+            <a:extLst>
+              <a:ext uri="{FF2B5EF4-FFF2-40B4-BE49-F238E27FC236}">
+                <a16:creationId xmlns:a16="http://schemas.microsoft.com/office/drawing/2014/main" id="{147BB23D-D29E-49AB-011D-58AEE031E594}"/>
+              </a:ext>
+            </a:extLst>
+          </p:cNvPr>
+          <p:cNvPicPr>
+            <a:picLocks noChangeAspect="1"/>
+          </p:cNvPicPr>
+          <p:nvPr/>
+        </p:nvPicPr>
+        <p:blipFill>
+          <a:blip r:embed="rId3"/>
+          <a:stretch>
+            <a:fillRect/>
+          </a:stretch>
+        </p:blipFill>
+        <p:spPr>
+          <a:xfrm>
+            <a:off x="3191829" y="397281"/>
+            <a:ext cx="2829741" cy="2658140"/>
+          </a:xfrm>
+          <a:prstGeom prst="rect">
+            <a:avLst/>
+          </a:prstGeom>
+        </p:spPr>
+      </p:pic>
+      <p:pic>
+        <p:nvPicPr>
+          <p:cNvPr id="11" name="Picture 10">
+            <a:extLst>
+              <a:ext uri="{FF2B5EF4-FFF2-40B4-BE49-F238E27FC236}">
+                <a16:creationId xmlns:a16="http://schemas.microsoft.com/office/drawing/2014/main" id="{FE01B64C-011F-CEA1-2F98-8C7B92686CDB}"/>
+              </a:ext>
+            </a:extLst>
+          </p:cNvPr>
+          <p:cNvPicPr>
+            <a:picLocks noChangeAspect="1"/>
+          </p:cNvPicPr>
+          <p:nvPr/>
+        </p:nvPicPr>
+        <p:blipFill>
+          <a:blip r:embed="rId4"/>
+          <a:stretch>
+            <a:fillRect/>
+          </a:stretch>
+        </p:blipFill>
+        <p:spPr>
+          <a:xfrm>
+            <a:off x="6131849" y="397281"/>
+            <a:ext cx="2826376" cy="2658140"/>
+          </a:xfrm>
+          <a:prstGeom prst="rect">
+            <a:avLst/>
+          </a:prstGeom>
+        </p:spPr>
+      </p:pic>
+      <p:pic>
+        <p:nvPicPr>
+          <p:cNvPr id="13" name="Picture 12">
+            <a:extLst>
+              <a:ext uri="{FF2B5EF4-FFF2-40B4-BE49-F238E27FC236}">
+                <a16:creationId xmlns:a16="http://schemas.microsoft.com/office/drawing/2014/main" id="{0B52B4C6-7FFB-0679-F6EF-417447EA8370}"/>
+              </a:ext>
+            </a:extLst>
+          </p:cNvPr>
+          <p:cNvPicPr>
+            <a:picLocks noChangeAspect="1"/>
+          </p:cNvPicPr>
+          <p:nvPr/>
+        </p:nvPicPr>
+        <p:blipFill>
+          <a:blip r:embed="rId5"/>
+          <a:stretch>
+            <a:fillRect/>
+          </a:stretch>
+        </p:blipFill>
+        <p:spPr>
+          <a:xfrm>
+            <a:off x="9068494" y="397281"/>
+            <a:ext cx="2829742" cy="2658140"/>
           </a:xfrm>
           <a:prstGeom prst="rect">
             <a:avLst/>
@@ -3514,8 +3812,8 @@
         </p:blipFill>
         <p:spPr>
           <a:xfrm>
-            <a:off x="-8243" y="3491785"/>
-            <a:ext cx="3474457" cy="3256015"/>
+            <a:off x="202019" y="3357865"/>
+            <a:ext cx="2836472" cy="2658141"/>
           </a:xfrm>
           <a:prstGeom prst="rect">
             <a:avLst/>
@@ -3544,8 +3842,8 @@
         </p:blipFill>
         <p:spPr>
           <a:xfrm>
-            <a:off x="6932428" y="3491785"/>
-            <a:ext cx="3470335" cy="3256015"/>
+            <a:off x="6138530" y="3357866"/>
+            <a:ext cx="2833106" cy="2658140"/>
           </a:xfrm>
           <a:prstGeom prst="rect">
             <a:avLst/>
@@ -3574,8 +3872,8 @@
         </p:blipFill>
         <p:spPr>
           <a:xfrm>
-            <a:off x="10398642" y="3487908"/>
-            <a:ext cx="3466214" cy="3244442"/>
+            <a:off x="9068494" y="3357865"/>
+            <a:ext cx="2839836" cy="2658140"/>
           </a:xfrm>
           <a:prstGeom prst="rect">
             <a:avLst/>
@@ -3604,8 +3902,8 @@
         </p:blipFill>
         <p:spPr>
           <a:xfrm>
-            <a:off x="3466214" y="3487908"/>
-            <a:ext cx="3482700" cy="3256015"/>
+            <a:off x="3202462" y="3357866"/>
+            <a:ext cx="2843201" cy="2658140"/>
           </a:xfrm>
           <a:prstGeom prst="rect">
             <a:avLst/>
@@ -3625,7 +3923,7 @@
 </p:sld>
 </file>
 
-<file path=ppt/slides/slide2.xml><?xml version="1.0" encoding="utf-8"?>
+<file path=ppt/slides/slide3.xml><?xml version="1.0" encoding="utf-8"?>
 <p:sld xmlns:a="http://schemas.openxmlformats.org/drawingml/2006/main" xmlns:r="http://schemas.openxmlformats.org/officeDocument/2006/relationships" xmlns:p="http://schemas.openxmlformats.org/presentationml/2006/main">
   <p:cSld>
     <p:spTree>
